--- a/2017秋季/数学/三年级/2例题讲练/3上7单元典型例题讲练.pptx
+++ b/2017秋季/数学/三年级/2例题讲练/3上7单元典型例题讲练.pptx
@@ -4573,7 +4573,23 @@
           <a:p>
             <a:r>
               <a:rPr lang="zh-CN" altLang="en-US" dirty="0" smtClean="0"/>
-              <a:t>学习目标导航</a:t>
+              <a:t>学习目标</a:t>
+            </a:r>
+            <a:r>
+              <a:rPr lang="zh-CN" altLang="en-US" dirty="0" smtClean="0"/>
+              <a:t>导航</a:t>
+            </a:r>
+            <a:r>
+              <a:rPr lang="en-US" altLang="zh-CN" dirty="0" smtClean="0"/>
+              <a:t>—</a:t>
+            </a:r>
+            <a:r>
+              <a:rPr lang="zh-CN" altLang="en-US" dirty="0" smtClean="0"/>
+              <a:t>七</a:t>
+            </a:r>
+            <a:r>
+              <a:rPr lang="zh-CN" altLang="en-US" dirty="0" smtClean="0"/>
+              <a:t>单元长方形和正方形</a:t>
             </a:r>
             <a:endParaRPr lang="zh-CN" altLang="en-US" dirty="0"/>
           </a:p>
@@ -6576,26 +6592,14 @@
           <a:p>
             <a:r>
               <a:rPr lang="zh-CN" altLang="en-US" sz="2400" dirty="0" smtClean="0"/>
-              <a:t>本文档</a:t>
-            </a:r>
+              <a:t>本文档包括学习目标导航、典型例题、巩固练习三部分。</a:t>
+            </a:r>
+            <a:endParaRPr lang="en-US" altLang="zh-CN" sz="2400" dirty="0" smtClean="0"/>
+          </a:p>
+          <a:p>
             <a:r>
               <a:rPr lang="zh-CN" altLang="en-US" sz="2400" dirty="0" smtClean="0"/>
-              <a:t>包括学习目标导航、典型例题、巩固练习三部分。</a:t>
-            </a:r>
-            <a:endParaRPr lang="en-US" altLang="zh-CN" sz="2400" dirty="0" smtClean="0"/>
-          </a:p>
-          <a:p>
-            <a:r>
-              <a:rPr lang="zh-CN" altLang="en-US" sz="2400" dirty="0" smtClean="0"/>
-              <a:t>题目</a:t>
-            </a:r>
-            <a:r>
-              <a:rPr lang="zh-CN" altLang="en-US" sz="2400" dirty="0" smtClean="0"/>
-              <a:t>编号</a:t>
-            </a:r>
-            <a:r>
-              <a:rPr lang="zh-CN" altLang="en-US" sz="2400" dirty="0" smtClean="0"/>
-              <a:t>说明</a:t>
+              <a:t>题目编号说明</a:t>
             </a:r>
             <a:r>
               <a:rPr lang="en-US" altLang="zh-CN" sz="2400" dirty="0" smtClean="0"/>
@@ -6609,7 +6613,6 @@
               <a:rPr lang="en-US" altLang="zh-CN" sz="2400" dirty="0" smtClean="0"/>
               <a:t>G3AU7T01</a:t>
             </a:r>
-            <a:endParaRPr lang="en-US" altLang="zh-CN" sz="2400" dirty="0" smtClean="0"/>
           </a:p>
           <a:p>
             <a:r>
@@ -6630,11 +6633,7 @@
             </a:r>
             <a:r>
               <a:rPr lang="en-US" altLang="zh-CN" sz="2400" dirty="0" smtClean="0"/>
-              <a:t> </a:t>
-            </a:r>
-            <a:r>
-              <a:rPr lang="en-US" altLang="zh-CN" sz="2400" dirty="0" smtClean="0"/>
-              <a:t>A</a:t>
+              <a:t> A</a:t>
             </a:r>
             <a:r>
               <a:rPr lang="zh-CN" altLang="en-US" sz="2400" dirty="0" smtClean="0"/>
@@ -6727,11 +6726,7 @@
           <a:p>
             <a:r>
               <a:rPr lang="zh-CN" altLang="en-US" sz="2400" dirty="0" smtClean="0"/>
-              <a:t>每一页</a:t>
-            </a:r>
-            <a:r>
-              <a:rPr lang="zh-CN" altLang="en-US" sz="2400" dirty="0" smtClean="0"/>
-              <a:t>一道题</a:t>
+              <a:t>每一页一道题</a:t>
             </a:r>
             <a:endParaRPr lang="en-US" altLang="zh-CN" sz="2400" dirty="0" smtClean="0"/>
           </a:p>
@@ -7140,7 +7135,7 @@
   <a:extraClrSchemeLst/>
   <a:extLst>
     <a:ext uri="{05A4C25C-085E-4340-85A3-A5531E510DB2}">
-      <thm15:themeFamily xmlns="" xmlns:thm15="http://schemas.microsoft.com/office/thememl/2012/main" name="Office Theme" id="{62F939B6-93AF-4DB8-9C6B-D6C7DFDC589F}" vid="{4A3C46E8-61CC-4603-A589-7422A47A8E4A}"/>
+      <thm15:themeFamily xmlns:thm15="http://schemas.microsoft.com/office/thememl/2012/main" xmlns="" name="Office Theme" id="{62F939B6-93AF-4DB8-9C6B-D6C7DFDC589F}" vid="{4A3C46E8-61CC-4603-A589-7422A47A8E4A}"/>
     </a:ext>
   </a:extLst>
 </a:theme>
@@ -7428,7 +7423,7 @@
   <a:extraClrSchemeLst/>
   <a:extLst>
     <a:ext uri="{05A4C25C-085E-4340-85A3-A5531E510DB2}">
-      <thm15:themeFamily xmlns="" xmlns:thm15="http://schemas.microsoft.com/office/thememl/2012/main" name="Office Theme" id="{62F939B6-93AF-4DB8-9C6B-D6C7DFDC589F}" vid="{4A3C46E8-61CC-4603-A589-7422A47A8E4A}"/>
+      <thm15:themeFamily xmlns:thm15="http://schemas.microsoft.com/office/thememl/2012/main" xmlns="" name="Office Theme" id="{62F939B6-93AF-4DB8-9C6B-D6C7DFDC589F}" vid="{4A3C46E8-61CC-4603-A589-7422A47A8E4A}"/>
     </a:ext>
   </a:extLst>
 </a:theme>
@@ -7716,7 +7711,7 @@
   <a:extraClrSchemeLst/>
   <a:extLst>
     <a:ext uri="{05A4C25C-085E-4340-85A3-A5531E510DB2}">
-      <thm15:themeFamily xmlns="" xmlns:thm15="http://schemas.microsoft.com/office/thememl/2012/main" name="Office Theme" id="{62F939B6-93AF-4DB8-9C6B-D6C7DFDC589F}" vid="{4A3C46E8-61CC-4603-A589-7422A47A8E4A}"/>
+      <thm15:themeFamily xmlns:thm15="http://schemas.microsoft.com/office/thememl/2012/main" xmlns="" name="Office Theme" id="{62F939B6-93AF-4DB8-9C6B-D6C7DFDC589F}" vid="{4A3C46E8-61CC-4603-A589-7422A47A8E4A}"/>
     </a:ext>
   </a:extLst>
 </a:theme>
